--- a/LINMA2472 PROJECT - GROUP 14 - SLIDES.pptx
+++ b/LINMA2472 PROJECT - GROUP 14 - SLIDES.pptx
@@ -17,13 +17,12 @@
     <p:sldId id="265" r:id="rId11"/>
     <p:sldId id="268" r:id="rId12"/>
     <p:sldId id="269" r:id="rId13"/>
-    <p:sldId id="270" r:id="rId14"/>
-    <p:sldId id="271" r:id="rId15"/>
-    <p:sldId id="263" r:id="rId16"/>
-    <p:sldId id="264" r:id="rId17"/>
-    <p:sldId id="272" r:id="rId18"/>
-    <p:sldId id="273" r:id="rId19"/>
-    <p:sldId id="274" r:id="rId20"/>
+    <p:sldId id="271" r:id="rId14"/>
+    <p:sldId id="263" r:id="rId15"/>
+    <p:sldId id="264" r:id="rId16"/>
+    <p:sldId id="272" r:id="rId17"/>
+    <p:sldId id="273" r:id="rId18"/>
+    <p:sldId id="274" r:id="rId19"/>
   </p:sldIdLst>
   <p:sldSz cx="12192000" cy="6858000"/>
   <p:notesSz cx="6858000" cy="9144000"/>
@@ -122,7 +121,119 @@
       </a:defRPr>
     </a:lvl9pPr>
   </p:defaultTextStyle>
+  <p:extLst>
+    <p:ext uri="{EFAFB233-063F-42B5-8137-9DF3F51BA10A}">
+      <p15:sldGuideLst xmlns:p15="http://schemas.microsoft.com/office/powerpoint/2012/main">
+        <p15:guide id="1" orient="horz" pos="2160">
+          <p15:clr>
+            <a:srgbClr val="A4A3A4"/>
+          </p15:clr>
+        </p15:guide>
+        <p15:guide id="2" pos="3840">
+          <p15:clr>
+            <a:srgbClr val="A4A3A4"/>
+          </p15:clr>
+        </p15:guide>
+      </p15:sldGuideLst>
+    </p:ext>
+  </p:extLst>
 </p:presentation>
+</file>
+
+<file path=ppt/changesInfos/changesInfo1.xml><?xml version="1.0" encoding="utf-8"?>
+<pc:chgInfo xmlns:a="http://schemas.openxmlformats.org/drawingml/2006/main" xmlns:r="http://schemas.openxmlformats.org/officeDocument/2006/relationships" xmlns:ac="http://schemas.microsoft.com/office/drawing/2013/main/command" xmlns:pc="http://schemas.microsoft.com/office/powerpoint/2013/main/command">
+  <pc:docChgLst>
+    <pc:chgData name="Oscar Liessens" userId="S::oliessens@oasis.uclouvain.be::8184c3af-6542-4f1f-ae87-89f18bc87fce" providerId="AD" clId="Web-{D894E128-C09D-4251-BBD3-7595ED38D75D}"/>
+    <pc:docChg chg="delSld modSld">
+      <pc:chgData name="Oscar Liessens" userId="S::oliessens@oasis.uclouvain.be::8184c3af-6542-4f1f-ae87-89f18bc87fce" providerId="AD" clId="Web-{D894E128-C09D-4251-BBD3-7595ED38D75D}" dt="2018-12-16T19:02:20.843" v="214" actId="20577"/>
+      <pc:docMkLst>
+        <pc:docMk/>
+      </pc:docMkLst>
+      <pc:sldChg chg="modSp">
+        <pc:chgData name="Oscar Liessens" userId="S::oliessens@oasis.uclouvain.be::8184c3af-6542-4f1f-ae87-89f18bc87fce" providerId="AD" clId="Web-{D894E128-C09D-4251-BBD3-7595ED38D75D}" dt="2018-12-16T18:59:59.104" v="165" actId="20577"/>
+        <pc:sldMkLst>
+          <pc:docMk/>
+          <pc:sldMk cId="3762728471" sldId="265"/>
+        </pc:sldMkLst>
+        <pc:spChg chg="mod">
+          <ac:chgData name="Oscar Liessens" userId="S::oliessens@oasis.uclouvain.be::8184c3af-6542-4f1f-ae87-89f18bc87fce" providerId="AD" clId="Web-{D894E128-C09D-4251-BBD3-7595ED38D75D}" dt="2018-12-16T18:59:59.104" v="165" actId="20577"/>
+          <ac:spMkLst>
+            <pc:docMk/>
+            <pc:sldMk cId="3762728471" sldId="265"/>
+            <ac:spMk id="3" creationId="{1A485B1E-6CDE-46C3-9E2C-1F013AFAAE45}"/>
+          </ac:spMkLst>
+        </pc:spChg>
+      </pc:sldChg>
+      <pc:sldChg chg="modSp">
+        <pc:chgData name="Oscar Liessens" userId="S::oliessens@oasis.uclouvain.be::8184c3af-6542-4f1f-ae87-89f18bc87fce" providerId="AD" clId="Web-{D894E128-C09D-4251-BBD3-7595ED38D75D}" dt="2018-12-16T18:55:20.062" v="1" actId="1076"/>
+        <pc:sldMkLst>
+          <pc:docMk/>
+          <pc:sldMk cId="2156111385" sldId="266"/>
+        </pc:sldMkLst>
+        <pc:picChg chg="mod">
+          <ac:chgData name="Oscar Liessens" userId="S::oliessens@oasis.uclouvain.be::8184c3af-6542-4f1f-ae87-89f18bc87fce" providerId="AD" clId="Web-{D894E128-C09D-4251-BBD3-7595ED38D75D}" dt="2018-12-16T18:55:20.062" v="1" actId="1076"/>
+          <ac:picMkLst>
+            <pc:docMk/>
+            <pc:sldMk cId="2156111385" sldId="266"/>
+            <ac:picMk id="5" creationId="{89263299-05F4-4C74-ABA2-1C12BD0A0100}"/>
+          </ac:picMkLst>
+        </pc:picChg>
+      </pc:sldChg>
+      <pc:sldChg chg="modSp">
+        <pc:chgData name="Oscar Liessens" userId="S::oliessens@oasis.uclouvain.be::8184c3af-6542-4f1f-ae87-89f18bc87fce" providerId="AD" clId="Web-{D894E128-C09D-4251-BBD3-7595ED38D75D}" dt="2018-12-16T18:58:12.505" v="70" actId="20577"/>
+        <pc:sldMkLst>
+          <pc:docMk/>
+          <pc:sldMk cId="542639880" sldId="268"/>
+        </pc:sldMkLst>
+        <pc:spChg chg="mod">
+          <ac:chgData name="Oscar Liessens" userId="S::oliessens@oasis.uclouvain.be::8184c3af-6542-4f1f-ae87-89f18bc87fce" providerId="AD" clId="Web-{D894E128-C09D-4251-BBD3-7595ED38D75D}" dt="2018-12-16T18:58:12.505" v="70" actId="20577"/>
+          <ac:spMkLst>
+            <pc:docMk/>
+            <pc:sldMk cId="542639880" sldId="268"/>
+            <ac:spMk id="3" creationId="{1A485B1E-6CDE-46C3-9E2C-1F013AFAAE45}"/>
+          </ac:spMkLst>
+        </pc:spChg>
+      </pc:sldChg>
+      <pc:sldChg chg="modSp">
+        <pc:chgData name="Oscar Liessens" userId="S::oliessens@oasis.uclouvain.be::8184c3af-6542-4f1f-ae87-89f18bc87fce" providerId="AD" clId="Web-{D894E128-C09D-4251-BBD3-7595ED38D75D}" dt="2018-12-16T19:00:36.246" v="169" actId="20577"/>
+        <pc:sldMkLst>
+          <pc:docMk/>
+          <pc:sldMk cId="891740537" sldId="269"/>
+        </pc:sldMkLst>
+        <pc:spChg chg="mod">
+          <ac:chgData name="Oscar Liessens" userId="S::oliessens@oasis.uclouvain.be::8184c3af-6542-4f1f-ae87-89f18bc87fce" providerId="AD" clId="Web-{D894E128-C09D-4251-BBD3-7595ED38D75D}" dt="2018-12-16T19:00:36.246" v="169" actId="20577"/>
+          <ac:spMkLst>
+            <pc:docMk/>
+            <pc:sldMk cId="891740537" sldId="269"/>
+            <ac:spMk id="3" creationId="{1A485B1E-6CDE-46C3-9E2C-1F013AFAAE45}"/>
+          </ac:spMkLst>
+        </pc:spChg>
+      </pc:sldChg>
+      <pc:sldChg chg="del">
+        <pc:chgData name="Oscar Liessens" userId="S::oliessens@oasis.uclouvain.be::8184c3af-6542-4f1f-ae87-89f18bc87fce" providerId="AD" clId="Web-{D894E128-C09D-4251-BBD3-7595ED38D75D}" dt="2018-12-16T19:01:00.153" v="172"/>
+        <pc:sldMkLst>
+          <pc:docMk/>
+          <pc:sldMk cId="710483857" sldId="270"/>
+        </pc:sldMkLst>
+      </pc:sldChg>
+      <pc:sldChg chg="modSp">
+        <pc:chgData name="Oscar Liessens" userId="S::oliessens@oasis.uclouvain.be::8184c3af-6542-4f1f-ae87-89f18bc87fce" providerId="AD" clId="Web-{D894E128-C09D-4251-BBD3-7595ED38D75D}" dt="2018-12-16T19:02:20.827" v="213" actId="20577"/>
+        <pc:sldMkLst>
+          <pc:docMk/>
+          <pc:sldMk cId="2417756305" sldId="273"/>
+        </pc:sldMkLst>
+        <pc:spChg chg="mod">
+          <ac:chgData name="Oscar Liessens" userId="S::oliessens@oasis.uclouvain.be::8184c3af-6542-4f1f-ae87-89f18bc87fce" providerId="AD" clId="Web-{D894E128-C09D-4251-BBD3-7595ED38D75D}" dt="2018-12-16T19:02:20.827" v="213" actId="20577"/>
+          <ac:spMkLst>
+            <pc:docMk/>
+            <pc:sldMk cId="2417756305" sldId="273"/>
+            <ac:spMk id="3" creationId="{1A485B1E-6CDE-46C3-9E2C-1F013AFAAE45}"/>
+          </ac:spMkLst>
+        </pc:spChg>
+      </pc:sldChg>
+    </pc:docChg>
+  </pc:docChgLst>
+</pc:chgInfo>
 </file>
 
 <file path=ppt/slideLayouts/slideLayout1.xml><?xml version="1.0" encoding="utf-8"?>
@@ -264,7 +375,7 @@
           <a:p>
             <a:fld id="{48A87A34-81AB-432B-8DAE-1953F412C126}" type="datetimeFigureOut">
               <a:rPr lang="en-US" dirty="0"/>
-              <a:t>12/10/2018</a:t>
+              <a:t>12/16/2018</a:t>
             </a:fld>
             <a:endParaRPr lang="en-US" dirty="0"/>
           </a:p>
@@ -439,7 +550,7 @@
           <a:p>
             <a:fld id="{48A87A34-81AB-432B-8DAE-1953F412C126}" type="datetimeFigureOut">
               <a:rPr lang="en-US" dirty="0"/>
-              <a:t>12/10/2018</a:t>
+              <a:t>12/16/2018</a:t>
             </a:fld>
             <a:endParaRPr lang="en-US" dirty="0"/>
           </a:p>
@@ -618,7 +729,7 @@
           <a:p>
             <a:fld id="{48A87A34-81AB-432B-8DAE-1953F412C126}" type="datetimeFigureOut">
               <a:rPr lang="en-US" dirty="0"/>
-              <a:t>12/10/2018</a:t>
+              <a:t>12/16/2018</a:t>
             </a:fld>
             <a:endParaRPr lang="en-US" dirty="0"/>
           </a:p>
@@ -783,7 +894,7 @@
           <a:p>
             <a:fld id="{48A87A34-81AB-432B-8DAE-1953F412C126}" type="datetimeFigureOut">
               <a:rPr lang="en-US" dirty="0"/>
-              <a:t>12/10/2018</a:t>
+              <a:t>12/16/2018</a:t>
             </a:fld>
             <a:endParaRPr lang="en-US" dirty="0"/>
           </a:p>
@@ -1026,7 +1137,7 @@
           <a:p>
             <a:fld id="{48A87A34-81AB-432B-8DAE-1953F412C126}" type="datetimeFigureOut">
               <a:rPr lang="en-US" dirty="0"/>
-              <a:t>12/10/2018</a:t>
+              <a:t>12/16/2018</a:t>
             </a:fld>
             <a:endParaRPr lang="en-US" dirty="0"/>
           </a:p>
@@ -1258,7 +1369,7 @@
           <a:p>
             <a:fld id="{48A87A34-81AB-432B-8DAE-1953F412C126}" type="datetimeFigureOut">
               <a:rPr lang="en-US" dirty="0"/>
-              <a:t>12/10/2018</a:t>
+              <a:t>12/16/2018</a:t>
             </a:fld>
             <a:endParaRPr lang="en-US" dirty="0"/>
           </a:p>
@@ -1638,7 +1749,7 @@
           <a:p>
             <a:fld id="{48A87A34-81AB-432B-8DAE-1953F412C126}" type="datetimeFigureOut">
               <a:rPr lang="en-US" dirty="0"/>
-              <a:t>12/10/2018</a:t>
+              <a:t>12/16/2018</a:t>
             </a:fld>
             <a:endParaRPr lang="en-US" dirty="0"/>
           </a:p>
@@ -1751,7 +1862,7 @@
           <a:p>
             <a:fld id="{48A87A34-81AB-432B-8DAE-1953F412C126}" type="datetimeFigureOut">
               <a:rPr lang="en-US" dirty="0"/>
-              <a:t>12/10/2018</a:t>
+              <a:t>12/16/2018</a:t>
             </a:fld>
             <a:endParaRPr lang="en-US" dirty="0"/>
           </a:p>
@@ -1841,7 +1952,7 @@
           <a:p>
             <a:fld id="{48A87A34-81AB-432B-8DAE-1953F412C126}" type="datetimeFigureOut">
               <a:rPr lang="en-US" dirty="0"/>
-              <a:t>12/10/2018</a:t>
+              <a:t>12/16/2018</a:t>
             </a:fld>
             <a:endParaRPr lang="en-US" dirty="0"/>
           </a:p>
@@ -2087,7 +2198,7 @@
           <a:p>
             <a:fld id="{48A87A34-81AB-432B-8DAE-1953F412C126}" type="datetimeFigureOut">
               <a:rPr lang="en-US" dirty="0"/>
-              <a:t>12/10/2018</a:t>
+              <a:t>12/16/2018</a:t>
             </a:fld>
             <a:endParaRPr lang="en-US" dirty="0"/>
           </a:p>
@@ -2474,7 +2585,7 @@
             <a:fld id="{48A87A34-81AB-432B-8DAE-1953F412C126}" type="datetimeFigureOut">
               <a:rPr lang="en-US" dirty="0"/>
               <a:pPr/>
-              <a:t>12/10/2018</a:t>
+              <a:t>12/16/2018</a:t>
             </a:fld>
             <a:endParaRPr lang="en-US" dirty="0"/>
           </a:p>
@@ -2687,7 +2798,7 @@
             <a:fld id="{48A87A34-81AB-432B-8DAE-1953F412C126}" type="datetimeFigureOut">
               <a:rPr lang="en-US" dirty="0"/>
               <a:pPr/>
-              <a:t>12/10/2018</a:t>
+              <a:t>12/16/2018</a:t>
             </a:fld>
             <a:endParaRPr lang="en-US" dirty="0"/>
           </a:p>
@@ -3254,7 +3365,7 @@
           <p:cNvPr id="6" name="Sous-titre 2">
             <a:extLst>
               <a:ext uri="{FF2B5EF4-FFF2-40B4-BE49-F238E27FC236}">
-                <a16:creationId xmlns:a16="http://schemas.microsoft.com/office/drawing/2014/main" xmlns="" id="{C4566099-AAD9-4AAA-9D26-572BF887E13C}"/>
+                <a16:creationId xmlns:a16="http://schemas.microsoft.com/office/drawing/2014/main" id="{C4566099-AAD9-4AAA-9D26-572BF887E13C}"/>
               </a:ext>
             </a:extLst>
           </p:cNvPr>
@@ -3487,8 +3598,20 @@
           </a:lstStyle>
           <a:p>
             <a:r>
-              <a:rPr lang="fr-BE" smtClean="0"/>
-              <a:t>Lucien ledune – oscar liessens</a:t>
+              <a:rPr lang="fr-BE" dirty="0"/>
+              <a:t>Lucien </a:t>
+            </a:r>
+            <a:r>
+              <a:rPr lang="fr-BE" dirty="0" err="1"/>
+              <a:t>ledune</a:t>
+            </a:r>
+            <a:r>
+              <a:rPr lang="fr-BE" dirty="0"/>
+              <a:t> – oscar </a:t>
+            </a:r>
+            <a:r>
+              <a:rPr lang="fr-BE" dirty="0" err="1"/>
+              <a:t>liessens</a:t>
             </a:r>
             <a:endParaRPr lang="fr-BE" dirty="0"/>
           </a:p>
@@ -3595,7 +3718,7 @@
           <p:cNvPr id="2" name="Titre 1">
             <a:extLst>
               <a:ext uri="{FF2B5EF4-FFF2-40B4-BE49-F238E27FC236}">
-                <a16:creationId xmlns:a16="http://schemas.microsoft.com/office/drawing/2014/main" xmlns="" id="{A093F50F-C593-40A9-95E7-FFE1F76D3966}"/>
+                <a16:creationId xmlns:a16="http://schemas.microsoft.com/office/drawing/2014/main" id="{A093F50F-C593-40A9-95E7-FFE1F76D3966}"/>
               </a:ext>
             </a:extLst>
           </p:cNvPr>
@@ -3617,10 +3740,9 @@
           <a:lstStyle/>
           <a:p>
             <a:r>
-              <a:rPr lang="fr-BE" smtClean="0"/>
+              <a:rPr lang="fr-BE"/>
               <a:t>Frequent itemsets</a:t>
             </a:r>
-            <a:endParaRPr lang="fr-BE"/>
           </a:p>
         </p:txBody>
       </p:sp>
@@ -3629,7 +3751,7 @@
           <p:cNvPr id="3" name="Espace réservé du contenu 2">
             <a:extLst>
               <a:ext uri="{FF2B5EF4-FFF2-40B4-BE49-F238E27FC236}">
-                <a16:creationId xmlns:a16="http://schemas.microsoft.com/office/drawing/2014/main" xmlns="" id="{1A485B1E-6CDE-46C3-9E2C-1F013AFAAE45}"/>
+                <a16:creationId xmlns:a16="http://schemas.microsoft.com/office/drawing/2014/main" id="{1A485B1E-6CDE-46C3-9E2C-1F013AFAAE45}"/>
               </a:ext>
             </a:extLst>
           </p:cNvPr>
@@ -3648,54 +3770,38 @@
         </p:spPr>
         <p:txBody>
           <a:bodyPr>
-            <a:normAutofit fontScale="77500" lnSpcReduction="20000"/>
+            <a:normAutofit fontScale="92500"/>
           </a:bodyPr>
           <a:lstStyle/>
+          <a:p>
+            <a:pPr fontAlgn="base"/>
+            <a:r>
+              <a:rPr lang="en-US" dirty="0"/>
+              <a:t>Goal : identify which characters appear most in every chapter</a:t>
+            </a:r>
+            <a:endParaRPr lang="fr-FR" dirty="0"/>
+          </a:p>
           <a:p>
             <a:pPr marL="0" indent="0" fontAlgn="base">
               <a:buNone/>
             </a:pPr>
             <a:r>
-              <a:rPr lang="en-US" b="1" smtClean="0"/>
+              <a:rPr lang="en-US" b="1" dirty="0"/>
               <a:t>PREPROCESSING</a:t>
             </a:r>
+            <a:endParaRPr lang="en-US" dirty="0"/>
           </a:p>
           <a:p>
             <a:pPr fontAlgn="base"/>
             <a:r>
-              <a:rPr lang="en-US" smtClean="0"/>
-              <a:t>Dividing </a:t>
-            </a:r>
-            <a:r>
-              <a:rPr lang="en-US"/>
-              <a:t>the book in chapters</a:t>
+              <a:rPr lang="en-US" dirty="0"/>
+              <a:t>Dividing the book in chapters, then in sentences, then in words</a:t>
             </a:r>
           </a:p>
           <a:p>
             <a:pPr fontAlgn="base"/>
             <a:r>
-              <a:rPr lang="en-US"/>
-              <a:t>Dividing  every chapter in sentences</a:t>
-            </a:r>
-          </a:p>
-          <a:p>
-            <a:pPr fontAlgn="base"/>
-            <a:r>
-              <a:rPr lang="en-US"/>
-              <a:t>Removing stopwords (obtained in the Natural Language Toolkit) and punctuation</a:t>
-            </a:r>
-          </a:p>
-          <a:p>
-            <a:pPr fontAlgn="base"/>
-            <a:r>
-              <a:rPr lang="en-US"/>
-              <a:t>Dividing  every sentence in words</a:t>
-            </a:r>
-          </a:p>
-          <a:p>
-            <a:pPr fontAlgn="base"/>
-            <a:r>
-              <a:rPr lang="en-US"/>
+              <a:rPr lang="en-US" dirty="0"/>
               <a:t>Keeping only words that were found in a set of character names we assembled :</a:t>
             </a:r>
           </a:p>
@@ -3704,28 +3810,120 @@
               <a:buNone/>
             </a:pPr>
             <a:r>
-              <a:rPr lang="en-US"/>
-              <a:t>["count", "dracula", "beast", "vampire", "jonathan", "mina", "murray","arthur", "holwood", "quincey", "morris", "renfield", "john", "seward", "abraham", "helsing", "lucy", "westenra"]</a:t>
+              <a:rPr lang="en-US" dirty="0"/>
+              <a:t>["count", "</a:t>
+            </a:r>
+            <a:r>
+              <a:rPr lang="en-US" dirty="0" err="1"/>
+              <a:t>dracula</a:t>
+            </a:r>
+            <a:r>
+              <a:rPr lang="en-US" dirty="0"/>
+              <a:t>", "beast", "vampire", "</a:t>
+            </a:r>
+            <a:r>
+              <a:rPr lang="en-US" dirty="0" err="1"/>
+              <a:t>jonathan</a:t>
+            </a:r>
+            <a:r>
+              <a:rPr lang="en-US" dirty="0"/>
+              <a:t>", "mina", "</a:t>
+            </a:r>
+            <a:r>
+              <a:rPr lang="en-US" dirty="0" err="1"/>
+              <a:t>murray</a:t>
+            </a:r>
+            <a:r>
+              <a:rPr lang="en-US" dirty="0"/>
+              <a:t>","</a:t>
+            </a:r>
+            <a:r>
+              <a:rPr lang="en-US" dirty="0" err="1"/>
+              <a:t>arthur</a:t>
+            </a:r>
+            <a:r>
+              <a:rPr lang="en-US" dirty="0"/>
+              <a:t>", "</a:t>
+            </a:r>
+            <a:r>
+              <a:rPr lang="en-US" dirty="0" err="1"/>
+              <a:t>holwood</a:t>
+            </a:r>
+            <a:r>
+              <a:rPr lang="en-US" dirty="0"/>
+              <a:t>", "</a:t>
+            </a:r>
+            <a:r>
+              <a:rPr lang="en-US" dirty="0" err="1"/>
+              <a:t>quincey</a:t>
+            </a:r>
+            <a:r>
+              <a:rPr lang="en-US" dirty="0"/>
+              <a:t>", "</a:t>
+            </a:r>
+            <a:r>
+              <a:rPr lang="en-US" dirty="0" err="1"/>
+              <a:t>morris</a:t>
+            </a:r>
+            <a:r>
+              <a:rPr lang="en-US" dirty="0"/>
+              <a:t>", "</a:t>
+            </a:r>
+            <a:r>
+              <a:rPr lang="en-US" dirty="0" err="1"/>
+              <a:t>renfield</a:t>
+            </a:r>
+            <a:r>
+              <a:rPr lang="en-US" dirty="0"/>
+              <a:t>", "john", "</a:t>
+            </a:r>
+            <a:r>
+              <a:rPr lang="en-US" dirty="0" err="1"/>
+              <a:t>seward</a:t>
+            </a:r>
+            <a:r>
+              <a:rPr lang="en-US" dirty="0"/>
+              <a:t>", "</a:t>
+            </a:r>
+            <a:r>
+              <a:rPr lang="en-US" dirty="0" err="1"/>
+              <a:t>abraham</a:t>
+            </a:r>
+            <a:r>
+              <a:rPr lang="en-US" dirty="0"/>
+              <a:t>", "</a:t>
+            </a:r>
+            <a:r>
+              <a:rPr lang="en-US" dirty="0" err="1"/>
+              <a:t>helsing</a:t>
+            </a:r>
+            <a:r>
+              <a:rPr lang="en-US" dirty="0"/>
+              <a:t>", "</a:t>
+            </a:r>
+            <a:r>
+              <a:rPr lang="en-US" dirty="0" err="1"/>
+              <a:t>lucy</a:t>
+            </a:r>
+            <a:r>
+              <a:rPr lang="en-US" dirty="0"/>
+              <a:t>", "</a:t>
+            </a:r>
+            <a:r>
+              <a:rPr lang="en-US" dirty="0" err="1"/>
+              <a:t>westenra</a:t>
+            </a:r>
+            <a:r>
+              <a:rPr lang="en-US" dirty="0"/>
+              <a:t>"]</a:t>
             </a:r>
           </a:p>
           <a:p>
             <a:pPr fontAlgn="base"/>
             <a:r>
-              <a:rPr lang="en-US"/>
+              <a:rPr lang="en-US" dirty="0"/>
               <a:t>Replacing every one of these character names by a single identifying name (e.g. : "count" -&gt; "Count Dracula")</a:t>
             </a:r>
-          </a:p>
-          <a:p>
-            <a:pPr fontAlgn="base"/>
-            <a:r>
-              <a:rPr lang="en-US"/>
-              <a:t>Replacing  sets of characters that consisted of the same character multiple times by sets containing only the </a:t>
-            </a:r>
-            <a:r>
-              <a:rPr lang="en-US" smtClean="0"/>
-              <a:t>character</a:t>
-            </a:r>
-            <a:endParaRPr lang="en-US"/>
           </a:p>
         </p:txBody>
       </p:sp>
@@ -3764,7 +3962,7 @@
           <p:cNvPr id="2" name="Titre 1">
             <a:extLst>
               <a:ext uri="{FF2B5EF4-FFF2-40B4-BE49-F238E27FC236}">
-                <a16:creationId xmlns:a16="http://schemas.microsoft.com/office/drawing/2014/main" xmlns="" id="{A093F50F-C593-40A9-95E7-FFE1F76D3966}"/>
+                <a16:creationId xmlns:a16="http://schemas.microsoft.com/office/drawing/2014/main" id="{A093F50F-C593-40A9-95E7-FFE1F76D3966}"/>
               </a:ext>
             </a:extLst>
           </p:cNvPr>
@@ -3786,10 +3984,9 @@
           <a:lstStyle/>
           <a:p>
             <a:r>
-              <a:rPr lang="fr-BE" smtClean="0"/>
+              <a:rPr lang="fr-BE"/>
               <a:t>Frequent itemsets</a:t>
             </a:r>
-            <a:endParaRPr lang="fr-BE"/>
           </a:p>
         </p:txBody>
       </p:sp>
@@ -3798,7 +3995,7 @@
           <p:cNvPr id="3" name="Espace réservé du contenu 2">
             <a:extLst>
               <a:ext uri="{FF2B5EF4-FFF2-40B4-BE49-F238E27FC236}">
-                <a16:creationId xmlns:a16="http://schemas.microsoft.com/office/drawing/2014/main" xmlns="" id="{1A485B1E-6CDE-46C3-9E2C-1F013AFAAE45}"/>
+                <a16:creationId xmlns:a16="http://schemas.microsoft.com/office/drawing/2014/main" id="{1A485B1E-6CDE-46C3-9E2C-1F013AFAAE45}"/>
               </a:ext>
             </a:extLst>
           </p:cNvPr>
@@ -3817,7 +4014,7 @@
         </p:spPr>
         <p:txBody>
           <a:bodyPr>
-            <a:normAutofit fontScale="77500" lnSpcReduction="20000"/>
+            <a:normAutofit/>
           </a:bodyPr>
           <a:lstStyle/>
           <a:p>
@@ -3825,80 +4022,40 @@
               <a:buNone/>
             </a:pPr>
             <a:r>
-              <a:rPr lang="en-US" b="1"/>
+              <a:rPr lang="en-US" b="1" dirty="0"/>
               <a:t>IMPLEMENTING APRIORI</a:t>
             </a:r>
           </a:p>
           <a:p>
             <a:r>
-              <a:rPr lang="en-US" smtClean="0"/>
-              <a:t>Parameters </a:t>
-            </a:r>
-            <a:r>
-              <a:rPr lang="en-US"/>
-              <a:t>:</a:t>
+              <a:rPr lang="en-US" dirty="0"/>
+              <a:t>Parameters :</a:t>
             </a:r>
           </a:p>
           <a:p>
             <a:pPr lvl="1"/>
             <a:r>
-              <a:rPr lang="en-US"/>
-              <a:t>A list of transactions (sets of names appearing together)</a:t>
+              <a:rPr lang="en-US" dirty="0"/>
+              <a:t>A list of transactions : sets of names appearing together</a:t>
             </a:r>
           </a:p>
           <a:p>
             <a:pPr lvl="1"/>
             <a:r>
-              <a:rPr lang="en-US"/>
-              <a:t>An integer minimum support and</a:t>
+              <a:rPr lang="en-US" dirty="0"/>
+              <a:t>An integer minimum support :  5</a:t>
             </a:r>
           </a:p>
           <a:p>
             <a:pPr lvl="1"/>
             <a:r>
-              <a:rPr lang="en-US"/>
-              <a:t>An integer maximum length of character sets, and then proceeds as follow (for every chapter, as will be explained later):</a:t>
-            </a:r>
-          </a:p>
-          <a:p>
-            <a:pPr fontAlgn="base"/>
-            <a:r>
-              <a:rPr lang="en-US"/>
-              <a:t>Creates a dictionary containing every character set and their support, if the latest is superior or equal to the minimum support</a:t>
-            </a:r>
-          </a:p>
-          <a:p>
-            <a:pPr fontAlgn="base"/>
-            <a:r>
-              <a:rPr lang="en-US"/>
-              <a:t>Starts a loop that :</a:t>
-            </a:r>
-          </a:p>
-          <a:p>
-            <a:pPr lvl="1" fontAlgn="base"/>
-            <a:r>
-              <a:rPr lang="en-US"/>
-              <a:t>Stops if there are no more character sets in the level if the level has reached the maximum length. Here the sets are ranked according to their level, which is the number of character appearing in them.</a:t>
-            </a:r>
-          </a:p>
-          <a:p>
-            <a:pPr lvl="1" fontAlgn="base"/>
-            <a:r>
-              <a:rPr lang="en-US"/>
-              <a:t>Looks at every set and verify if it is of a superior level and if it is a subset of a frequent set</a:t>
-            </a:r>
-          </a:p>
-          <a:p>
-            <a:pPr lvl="1" fontAlgn="base"/>
-            <a:r>
-              <a:rPr lang="en-US"/>
-              <a:t>If it is, computes its support based on its subsets and adds it on the next level (if it's not already there)</a:t>
-            </a:r>
-          </a:p>
-          <a:p>
-            <a:pPr fontAlgn="base"/>
-            <a:r>
-              <a:rPr lang="en-US"/>
+              <a:rPr lang="en-US" dirty="0"/>
+              <a:t>An integer maximum length of sets : 10</a:t>
+            </a:r>
+          </a:p>
+          <a:p>
+            <a:r>
+              <a:rPr lang="en-US" dirty="0"/>
               <a:t>Returns a list of tuples containing two elements : a set of characters, and an integer representing the support of the set</a:t>
             </a:r>
           </a:p>
@@ -3939,7 +4096,7 @@
           <p:cNvPr id="2" name="Titre 1">
             <a:extLst>
               <a:ext uri="{FF2B5EF4-FFF2-40B4-BE49-F238E27FC236}">
-                <a16:creationId xmlns:a16="http://schemas.microsoft.com/office/drawing/2014/main" xmlns="" id="{A093F50F-C593-40A9-95E7-FFE1F76D3966}"/>
+                <a16:creationId xmlns:a16="http://schemas.microsoft.com/office/drawing/2014/main" id="{A093F50F-C593-40A9-95E7-FFE1F76D3966}"/>
               </a:ext>
             </a:extLst>
           </p:cNvPr>
@@ -3961,10 +4118,9 @@
           <a:lstStyle/>
           <a:p>
             <a:r>
-              <a:rPr lang="fr-BE" smtClean="0"/>
+              <a:rPr lang="fr-BE"/>
               <a:t>Frequent itemsets</a:t>
             </a:r>
-            <a:endParaRPr lang="fr-BE"/>
           </a:p>
         </p:txBody>
       </p:sp>
@@ -3973,7 +4129,7 @@
           <p:cNvPr id="3" name="Espace réservé du contenu 2">
             <a:extLst>
               <a:ext uri="{FF2B5EF4-FFF2-40B4-BE49-F238E27FC236}">
-                <a16:creationId xmlns:a16="http://schemas.microsoft.com/office/drawing/2014/main" xmlns="" id="{1A485B1E-6CDE-46C3-9E2C-1F013AFAAE45}"/>
+                <a16:creationId xmlns:a16="http://schemas.microsoft.com/office/drawing/2014/main" id="{1A485B1E-6CDE-46C3-9E2C-1F013AFAAE45}"/>
               </a:ext>
             </a:extLst>
           </p:cNvPr>
@@ -4000,72 +4156,66 @@
               <a:buNone/>
             </a:pPr>
             <a:r>
-              <a:rPr lang="fr-BE" b="1" smtClean="0"/>
+              <a:rPr lang="fr-BE" b="1" dirty="0"/>
               <a:t>APPLYING THE ALGORITHM</a:t>
             </a:r>
-            <a:endParaRPr lang="fr-BE" b="1"/>
-          </a:p>
-          <a:p>
-            <a:r>
-              <a:rPr lang="en-US" smtClean="0"/>
-              <a:t>Name sets </a:t>
-            </a:r>
-            <a:r>
-              <a:rPr lang="en-US"/>
-              <a:t>in codes (e.g. : "Count Dracula" -&gt; "a") in order to create a list that can easily be taken as </a:t>
-            </a:r>
-            <a:r>
-              <a:rPr lang="en-US" smtClean="0"/>
-              <a:t>parameter</a:t>
-            </a:r>
-          </a:p>
-          <a:p>
-            <a:r>
-              <a:rPr lang="en-US" smtClean="0"/>
-              <a:t>Data = multiple chapters !</a:t>
-            </a:r>
-          </a:p>
-          <a:p>
-            <a:r>
-              <a:rPr lang="en-US" smtClean="0"/>
+          </a:p>
+          <a:p>
+            <a:r>
+              <a:rPr lang="en-US" dirty="0"/>
               <a:t>Function that :</a:t>
             </a:r>
           </a:p>
           <a:p>
             <a:pPr lvl="1"/>
             <a:r>
-              <a:rPr lang="en-US" smtClean="0"/>
-              <a:t>Converted </a:t>
-            </a:r>
-            <a:r>
-              <a:rPr lang="en-US"/>
-              <a:t>character names, strings, to identifying codes</a:t>
+              <a:rPr lang="en-US" dirty="0"/>
+              <a:t>Converted character names to codes (for easier conversion into sets)</a:t>
             </a:r>
           </a:p>
           <a:p>
             <a:pPr lvl="1" fontAlgn="base"/>
             <a:r>
-              <a:rPr lang="en-US"/>
-              <a:t>Applied Apriori on every chapter, and returned a list of "traditional" Apriori returns</a:t>
+              <a:rPr lang="en-US" dirty="0"/>
+              <a:t>Applied </a:t>
+            </a:r>
+            <a:r>
+              <a:rPr lang="en-US" dirty="0" err="1"/>
+              <a:t>Apriori</a:t>
+            </a:r>
+            <a:r>
+              <a:rPr lang="en-US" dirty="0"/>
+              <a:t> on every chapter, and returned a list of traditional </a:t>
+            </a:r>
+            <a:r>
+              <a:rPr lang="en-US" dirty="0" err="1"/>
+              <a:t>Apriori</a:t>
+            </a:r>
+            <a:r>
+              <a:rPr lang="en-US" dirty="0"/>
+              <a:t> returns</a:t>
             </a:r>
           </a:p>
           <a:p>
             <a:pPr lvl="1" fontAlgn="base"/>
             <a:r>
-              <a:rPr lang="en-US"/>
-              <a:t>Converted character codes back to </a:t>
-            </a:r>
-            <a:r>
-              <a:rPr lang="en-US" smtClean="0"/>
-              <a:t>strings</a:t>
-            </a:r>
-            <a:endParaRPr lang="en-US"/>
+              <a:rPr lang="en-US" dirty="0"/>
+              <a:t>Converted character codes back to strings</a:t>
+            </a:r>
           </a:p>
           <a:p>
             <a:pPr fontAlgn="base"/>
             <a:r>
-              <a:rPr lang="en-US" smtClean="0"/>
-              <a:t>Returns : list &gt; chapters &gt; frequent itemsets &gt; names set &amp; support</a:t>
+              <a:rPr lang="en-US" dirty="0"/>
+              <a:t>Returns : list &gt; chapters &gt; frequent </a:t>
+            </a:r>
+            <a:r>
+              <a:rPr lang="en-US" dirty="0" err="1"/>
+              <a:t>itemsets</a:t>
+            </a:r>
+            <a:r>
+              <a:rPr lang="en-US" dirty="0"/>
+              <a:t> &gt; names set + support</a:t>
             </a:r>
           </a:p>
         </p:txBody>
@@ -4105,7 +4255,7 @@
           <p:cNvPr id="2" name="Titre 1">
             <a:extLst>
               <a:ext uri="{FF2B5EF4-FFF2-40B4-BE49-F238E27FC236}">
-                <a16:creationId xmlns:a16="http://schemas.microsoft.com/office/drawing/2014/main" xmlns="" id="{A093F50F-C593-40A9-95E7-FFE1F76D3966}"/>
+                <a16:creationId xmlns:a16="http://schemas.microsoft.com/office/drawing/2014/main" id="{A093F50F-C593-40A9-95E7-FFE1F76D3966}"/>
               </a:ext>
             </a:extLst>
           </p:cNvPr>
@@ -4127,176 +4277,9 @@
           <a:lstStyle/>
           <a:p>
             <a:r>
-              <a:rPr lang="fr-BE" smtClean="0"/>
+              <a:rPr lang="fr-BE"/>
               <a:t>Frequent itemsets</a:t>
             </a:r>
-            <a:endParaRPr lang="fr-BE"/>
-          </a:p>
-        </p:txBody>
-      </p:sp>
-      <p:sp>
-        <p:nvSpPr>
-          <p:cNvPr id="3" name="Espace réservé du contenu 2">
-            <a:extLst>
-              <a:ext uri="{FF2B5EF4-FFF2-40B4-BE49-F238E27FC236}">
-                <a16:creationId xmlns:a16="http://schemas.microsoft.com/office/drawing/2014/main" xmlns="" id="{1A485B1E-6CDE-46C3-9E2C-1F013AFAAE45}"/>
-              </a:ext>
-            </a:extLst>
-          </p:cNvPr>
-          <p:cNvSpPr>
-            <a:spLocks noGrp="1"/>
-          </p:cNvSpPr>
-          <p:nvPr>
-            <p:ph idx="1"/>
-          </p:nvPr>
-        </p:nvSpPr>
-        <p:spPr>
-          <a:xfrm>
-            <a:off x="1451579" y="1444976"/>
-            <a:ext cx="9291215" cy="4481689"/>
-          </a:xfrm>
-        </p:spPr>
-        <p:txBody>
-          <a:bodyPr>
-            <a:normAutofit/>
-          </a:bodyPr>
-          <a:lstStyle/>
-          <a:p>
-            <a:pPr marL="0" indent="0">
-              <a:buNone/>
-            </a:pPr>
-            <a:r>
-              <a:rPr lang="fr-BE" b="1" smtClean="0"/>
-              <a:t>APPLYING THE ALGORITHM</a:t>
-            </a:r>
-            <a:endParaRPr lang="fr-BE" b="1"/>
-          </a:p>
-          <a:p>
-            <a:r>
-              <a:rPr lang="en-US" smtClean="0"/>
-              <a:t>Name sets </a:t>
-            </a:r>
-            <a:r>
-              <a:rPr lang="en-US"/>
-              <a:t>in codes (e.g. : "Count Dracula" -&gt; "a") in order to create a list that can easily be taken as </a:t>
-            </a:r>
-            <a:r>
-              <a:rPr lang="en-US" smtClean="0"/>
-              <a:t>parameter</a:t>
-            </a:r>
-          </a:p>
-          <a:p>
-            <a:r>
-              <a:rPr lang="en-US" smtClean="0"/>
-              <a:t>Data = multiple chapters !</a:t>
-            </a:r>
-          </a:p>
-          <a:p>
-            <a:r>
-              <a:rPr lang="en-US" smtClean="0"/>
-              <a:t>Function that :</a:t>
-            </a:r>
-          </a:p>
-          <a:p>
-            <a:pPr lvl="1"/>
-            <a:r>
-              <a:rPr lang="en-US" smtClean="0"/>
-              <a:t>Converted </a:t>
-            </a:r>
-            <a:r>
-              <a:rPr lang="en-US"/>
-              <a:t>character names, strings, to identifying codes</a:t>
-            </a:r>
-          </a:p>
-          <a:p>
-            <a:pPr lvl="1" fontAlgn="base"/>
-            <a:r>
-              <a:rPr lang="en-US"/>
-              <a:t>Applied Apriori on every chapter, and returned a list of "traditional" Apriori returns</a:t>
-            </a:r>
-          </a:p>
-          <a:p>
-            <a:pPr lvl="1" fontAlgn="base"/>
-            <a:r>
-              <a:rPr lang="en-US"/>
-              <a:t>Converted character codes back to </a:t>
-            </a:r>
-            <a:r>
-              <a:rPr lang="en-US" smtClean="0"/>
-              <a:t>strings</a:t>
-            </a:r>
-            <a:endParaRPr lang="en-US"/>
-          </a:p>
-          <a:p>
-            <a:pPr fontAlgn="base"/>
-            <a:r>
-              <a:rPr lang="en-US" smtClean="0"/>
-              <a:t>Returns : list &gt; chapters &gt; frequent itemsets &gt; names set &amp; support</a:t>
-            </a:r>
-          </a:p>
-        </p:txBody>
-      </p:sp>
-    </p:spTree>
-    <p:extLst>
-      <p:ext uri="{BB962C8B-B14F-4D97-AF65-F5344CB8AC3E}">
-        <p14:creationId xmlns:p14="http://schemas.microsoft.com/office/powerpoint/2010/main" val="710483857"/>
-      </p:ext>
-    </p:extLst>
-  </p:cSld>
-  <p:clrMapOvr>
-    <a:masterClrMapping/>
-  </p:clrMapOvr>
-</p:sld>
-</file>
-
-<file path=ppt/slides/slide14.xml><?xml version="1.0" encoding="utf-8"?>
-<p:sld xmlns:a="http://schemas.openxmlformats.org/drawingml/2006/main" xmlns:r="http://schemas.openxmlformats.org/officeDocument/2006/relationships" xmlns:p="http://schemas.openxmlformats.org/presentationml/2006/main">
-  <p:cSld>
-    <p:spTree>
-      <p:nvGrpSpPr>
-        <p:cNvPr id="1" name=""/>
-        <p:cNvGrpSpPr/>
-        <p:nvPr/>
-      </p:nvGrpSpPr>
-      <p:grpSpPr>
-        <a:xfrm>
-          <a:off x="0" y="0"/>
-          <a:ext cx="0" cy="0"/>
-          <a:chOff x="0" y="0"/>
-          <a:chExt cx="0" cy="0"/>
-        </a:xfrm>
-      </p:grpSpPr>
-      <p:sp>
-        <p:nvSpPr>
-          <p:cNvPr id="2" name="Titre 1">
-            <a:extLst>
-              <a:ext uri="{FF2B5EF4-FFF2-40B4-BE49-F238E27FC236}">
-                <a16:creationId xmlns:a16="http://schemas.microsoft.com/office/drawing/2014/main" xmlns="" id="{A093F50F-C593-40A9-95E7-FFE1F76D3966}"/>
-              </a:ext>
-            </a:extLst>
-          </p:cNvPr>
-          <p:cNvSpPr>
-            <a:spLocks noGrp="1"/>
-          </p:cNvSpPr>
-          <p:nvPr>
-            <p:ph type="title"/>
-          </p:nvPr>
-        </p:nvSpPr>
-        <p:spPr>
-          <a:xfrm>
-            <a:off x="1451579" y="443274"/>
-            <a:ext cx="9291215" cy="1049235"/>
-          </a:xfrm>
-        </p:spPr>
-        <p:txBody>
-          <a:bodyPr/>
-          <a:lstStyle/>
-          <a:p>
-            <a:r>
-              <a:rPr lang="fr-BE" smtClean="0"/>
-              <a:t>Frequent itemsets</a:t>
-            </a:r>
-            <a:endParaRPr lang="fr-BE"/>
           </a:p>
         </p:txBody>
       </p:sp>
@@ -4346,7 +4329,7 @@
           <p:cNvPr id="6" name="Espace réservé du contenu 2">
             <a:extLst>
               <a:ext uri="{FF2B5EF4-FFF2-40B4-BE49-F238E27FC236}">
-                <a16:creationId xmlns:a16="http://schemas.microsoft.com/office/drawing/2014/main" xmlns="" id="{1A485B1E-6CDE-46C3-9E2C-1F013AFAAE45}"/>
+                <a16:creationId xmlns:a16="http://schemas.microsoft.com/office/drawing/2014/main" id="{1A485B1E-6CDE-46C3-9E2C-1F013AFAAE45}"/>
               </a:ext>
             </a:extLst>
           </p:cNvPr>
@@ -4370,41 +4353,41 @@
           <a:lstStyle/>
           <a:p>
             <a:r>
-              <a:rPr lang="en-US" smtClean="0"/>
+              <a:rPr lang="en-US"/>
               <a:t>Diaries :</a:t>
             </a:r>
           </a:p>
           <a:p>
             <a:pPr lvl="1"/>
             <a:r>
-              <a:rPr lang="en-US" smtClean="0"/>
+              <a:rPr lang="en-US"/>
               <a:t>Seward</a:t>
             </a:r>
           </a:p>
           <a:p>
             <a:pPr lvl="1"/>
             <a:r>
-              <a:rPr lang="en-US" smtClean="0"/>
+              <a:rPr lang="en-US"/>
               <a:t>Harker</a:t>
             </a:r>
           </a:p>
           <a:p>
             <a:r>
-              <a:rPr lang="en-US" smtClean="0"/>
+              <a:rPr lang="en-US"/>
               <a:t>Events :</a:t>
             </a:r>
           </a:p>
           <a:p>
             <a:pPr lvl="1"/>
             <a:r>
-              <a:rPr lang="en-US" smtClean="0"/>
+              <a:rPr lang="en-US"/>
               <a:t>Men fight Dracula</a:t>
             </a:r>
           </a:p>
           <a:p>
             <a:pPr lvl="1"/>
             <a:r>
-              <a:rPr lang="en-US" smtClean="0"/>
+              <a:rPr lang="en-US"/>
               <a:t>Van Helsing talks with Mina</a:t>
             </a:r>
           </a:p>
@@ -4423,7 +4406,7 @@
 </p:sld>
 </file>
 
-<file path=ppt/slides/slide15.xml><?xml version="1.0" encoding="utf-8"?>
+<file path=ppt/slides/slide14.xml><?xml version="1.0" encoding="utf-8"?>
 <p:sld xmlns:a="http://schemas.openxmlformats.org/drawingml/2006/main" xmlns:r="http://schemas.openxmlformats.org/officeDocument/2006/relationships" xmlns:p="http://schemas.openxmlformats.org/presentationml/2006/main">
   <p:cSld>
     <p:spTree>
@@ -4445,7 +4428,7 @@
           <p:cNvPr id="2" name="Titre 1">
             <a:extLst>
               <a:ext uri="{FF2B5EF4-FFF2-40B4-BE49-F238E27FC236}">
-                <a16:creationId xmlns:a16="http://schemas.microsoft.com/office/drawing/2014/main" xmlns="" id="{01FBDD91-A41B-4B21-811F-E25831E8830D}"/>
+                <a16:creationId xmlns:a16="http://schemas.microsoft.com/office/drawing/2014/main" id="{01FBDD91-A41B-4B21-811F-E25831E8830D}"/>
               </a:ext>
             </a:extLst>
           </p:cNvPr>
@@ -4485,7 +4468,7 @@
           <p:cNvPr id="3" name="Espace réservé du contenu 2">
             <a:extLst>
               <a:ext uri="{FF2B5EF4-FFF2-40B4-BE49-F238E27FC236}">
-                <a16:creationId xmlns:a16="http://schemas.microsoft.com/office/drawing/2014/main" xmlns="" id="{59D9F553-2551-4403-8986-4A7B277CD33B}"/>
+                <a16:creationId xmlns:a16="http://schemas.microsoft.com/office/drawing/2014/main" id="{59D9F553-2551-4403-8986-4A7B277CD33B}"/>
               </a:ext>
             </a:extLst>
           </p:cNvPr>
@@ -4708,7 +4691,7 @@
           <p:cNvPr id="5" name="Image 4">
             <a:extLst>
               <a:ext uri="{FF2B5EF4-FFF2-40B4-BE49-F238E27FC236}">
-                <a16:creationId xmlns:a16="http://schemas.microsoft.com/office/drawing/2014/main" xmlns="" id="{0B14C756-047D-447F-92C5-EE7DC973CD94}"/>
+                <a16:creationId xmlns:a16="http://schemas.microsoft.com/office/drawing/2014/main" id="{0B14C756-047D-447F-92C5-EE7DC973CD94}"/>
               </a:ext>
             </a:extLst>
           </p:cNvPr>
@@ -4746,7 +4729,7 @@
 </p:sld>
 </file>
 
-<file path=ppt/slides/slide16.xml><?xml version="1.0" encoding="utf-8"?>
+<file path=ppt/slides/slide15.xml><?xml version="1.0" encoding="utf-8"?>
 <p:sld xmlns:a="http://schemas.openxmlformats.org/drawingml/2006/main" xmlns:r="http://schemas.openxmlformats.org/officeDocument/2006/relationships" xmlns:p="http://schemas.openxmlformats.org/presentationml/2006/main">
   <p:cSld>
     <p:spTree>
@@ -4768,7 +4751,7 @@
           <p:cNvPr id="2" name="Titre 1">
             <a:extLst>
               <a:ext uri="{FF2B5EF4-FFF2-40B4-BE49-F238E27FC236}">
-                <a16:creationId xmlns:a16="http://schemas.microsoft.com/office/drawing/2014/main" xmlns="" id="{C14150E0-2A78-4F7D-BFE7-AE2220A9FF63}"/>
+                <a16:creationId xmlns:a16="http://schemas.microsoft.com/office/drawing/2014/main" id="{C14150E0-2A78-4F7D-BFE7-AE2220A9FF63}"/>
               </a:ext>
             </a:extLst>
           </p:cNvPr>
@@ -4817,7 +4800,7 @@
           <p:cNvPr id="3" name="Espace réservé du contenu 2">
             <a:extLst>
               <a:ext uri="{FF2B5EF4-FFF2-40B4-BE49-F238E27FC236}">
-                <a16:creationId xmlns:a16="http://schemas.microsoft.com/office/drawing/2014/main" xmlns="" id="{C8D5C7A9-CBCC-4D39-8F63-A1587699988D}"/>
+                <a16:creationId xmlns:a16="http://schemas.microsoft.com/office/drawing/2014/main" id="{C8D5C7A9-CBCC-4D39-8F63-A1587699988D}"/>
               </a:ext>
             </a:extLst>
           </p:cNvPr>
@@ -4873,7 +4856,7 @@
           <p:cNvPr id="5" name="Image 4">
             <a:extLst>
               <a:ext uri="{FF2B5EF4-FFF2-40B4-BE49-F238E27FC236}">
-                <a16:creationId xmlns:a16="http://schemas.microsoft.com/office/drawing/2014/main" xmlns="" id="{FDA75C6B-C8F6-43AE-88CF-44E620EB32F3}"/>
+                <a16:creationId xmlns:a16="http://schemas.microsoft.com/office/drawing/2014/main" id="{FDA75C6B-C8F6-43AE-88CF-44E620EB32F3}"/>
               </a:ext>
             </a:extLst>
           </p:cNvPr>
@@ -4911,6 +4894,144 @@
 </p:sld>
 </file>
 
+<file path=ppt/slides/slide16.xml><?xml version="1.0" encoding="utf-8"?>
+<p:sld xmlns:a="http://schemas.openxmlformats.org/drawingml/2006/main" xmlns:r="http://schemas.openxmlformats.org/officeDocument/2006/relationships" xmlns:p="http://schemas.openxmlformats.org/presentationml/2006/main">
+  <p:cSld>
+    <p:spTree>
+      <p:nvGrpSpPr>
+        <p:cNvPr id="1" name=""/>
+        <p:cNvGrpSpPr/>
+        <p:nvPr/>
+      </p:nvGrpSpPr>
+      <p:grpSpPr>
+        <a:xfrm>
+          <a:off x="0" y="0"/>
+          <a:ext cx="0" cy="0"/>
+          <a:chOff x="0" y="0"/>
+          <a:chExt cx="0" cy="0"/>
+        </a:xfrm>
+      </p:grpSpPr>
+      <p:sp>
+        <p:nvSpPr>
+          <p:cNvPr id="2" name="Titre 1">
+            <a:extLst>
+              <a:ext uri="{FF2B5EF4-FFF2-40B4-BE49-F238E27FC236}">
+                <a16:creationId xmlns:a16="http://schemas.microsoft.com/office/drawing/2014/main" id="{A093F50F-C593-40A9-95E7-FFE1F76D3966}"/>
+              </a:ext>
+            </a:extLst>
+          </p:cNvPr>
+          <p:cNvSpPr>
+            <a:spLocks noGrp="1"/>
+          </p:cNvSpPr>
+          <p:nvPr>
+            <p:ph type="title"/>
+          </p:nvPr>
+        </p:nvSpPr>
+        <p:spPr>
+          <a:xfrm>
+            <a:off x="1451579" y="443274"/>
+            <a:ext cx="9291215" cy="1049235"/>
+          </a:xfrm>
+        </p:spPr>
+        <p:txBody>
+          <a:bodyPr/>
+          <a:lstStyle/>
+          <a:p>
+            <a:r>
+              <a:rPr lang="fr-BE"/>
+              <a:t>Conclusion</a:t>
+            </a:r>
+          </a:p>
+        </p:txBody>
+      </p:sp>
+      <p:sp>
+        <p:nvSpPr>
+          <p:cNvPr id="3" name="Espace réservé du contenu 2">
+            <a:extLst>
+              <a:ext uri="{FF2B5EF4-FFF2-40B4-BE49-F238E27FC236}">
+                <a16:creationId xmlns:a16="http://schemas.microsoft.com/office/drawing/2014/main" id="{1A485B1E-6CDE-46C3-9E2C-1F013AFAAE45}"/>
+              </a:ext>
+            </a:extLst>
+          </p:cNvPr>
+          <p:cNvSpPr>
+            <a:spLocks noGrp="1"/>
+          </p:cNvSpPr>
+          <p:nvPr>
+            <p:ph idx="1"/>
+          </p:nvPr>
+        </p:nvSpPr>
+        <p:spPr>
+          <a:xfrm>
+            <a:off x="1451579" y="1444976"/>
+            <a:ext cx="9291215" cy="4481689"/>
+          </a:xfrm>
+        </p:spPr>
+        <p:txBody>
+          <a:bodyPr>
+            <a:normAutofit/>
+          </a:bodyPr>
+          <a:lstStyle/>
+          <a:p>
+            <a:r>
+              <a:rPr lang="en-US"/>
+              <a:t>Dracula = mysterious character, elusive to text mining</a:t>
+            </a:r>
+          </a:p>
+          <a:p>
+            <a:r>
+              <a:rPr lang="en-US"/>
+              <a:t>“Goal “of the novel : to paint his picture with not many informations</a:t>
+            </a:r>
+          </a:p>
+          <a:p>
+            <a:r>
+              <a:rPr lang="en-US"/>
+              <a:t>Epistolary style :</a:t>
+            </a:r>
+          </a:p>
+          <a:p>
+            <a:pPr lvl="1"/>
+            <a:r>
+              <a:rPr lang="en-US"/>
+              <a:t>It’s hard to find continuty or development because of changing POV</a:t>
+            </a:r>
+          </a:p>
+          <a:p>
+            <a:pPr lvl="1"/>
+            <a:r>
+              <a:rPr lang="en-US"/>
+              <a:t>Investigate  the novel by diary entries ?</a:t>
+            </a:r>
+          </a:p>
+          <a:p>
+            <a:r>
+              <a:rPr lang="en-US"/>
+              <a:t>More knowledge of past analysis of </a:t>
+            </a:r>
+            <a:r>
+              <a:rPr lang="en-US" i="1"/>
+              <a:t>Dracula</a:t>
+            </a:r>
+            <a:r>
+              <a:rPr lang="en-US"/>
+              <a:t> would be helpful</a:t>
+            </a:r>
+          </a:p>
+        </p:txBody>
+      </p:sp>
+    </p:spTree>
+    <p:extLst>
+      <p:ext uri="{BB962C8B-B14F-4D97-AF65-F5344CB8AC3E}">
+        <p14:creationId xmlns:p14="http://schemas.microsoft.com/office/powerpoint/2010/main" val="855028033"/>
+      </p:ext>
+    </p:extLst>
+  </p:cSld>
+  <p:clrMapOvr>
+    <a:masterClrMapping/>
+  </p:clrMapOvr>
+</p:sld>
+</file>
+
 <file path=ppt/slides/slide17.xml><?xml version="1.0" encoding="utf-8"?>
 <p:sld xmlns:a="http://schemas.openxmlformats.org/drawingml/2006/main" xmlns:r="http://schemas.openxmlformats.org/officeDocument/2006/relationships" xmlns:p="http://schemas.openxmlformats.org/presentationml/2006/main">
   <p:cSld>
@@ -4933,7 +5054,7 @@
           <p:cNvPr id="2" name="Titre 1">
             <a:extLst>
               <a:ext uri="{FF2B5EF4-FFF2-40B4-BE49-F238E27FC236}">
-                <a16:creationId xmlns:a16="http://schemas.microsoft.com/office/drawing/2014/main" xmlns="" id="{A093F50F-C593-40A9-95E7-FFE1F76D3966}"/>
+                <a16:creationId xmlns:a16="http://schemas.microsoft.com/office/drawing/2014/main" id="{A093F50F-C593-40A9-95E7-FFE1F76D3966}"/>
               </a:ext>
             </a:extLst>
           </p:cNvPr>
@@ -4955,10 +5076,9 @@
           <a:lstStyle/>
           <a:p>
             <a:r>
-              <a:rPr lang="fr-BE" smtClean="0"/>
+              <a:rPr lang="fr-BE"/>
               <a:t>Conclusion</a:t>
             </a:r>
-            <a:endParaRPr lang="fr-BE"/>
           </a:p>
         </p:txBody>
       </p:sp>
@@ -4967,7 +5087,7 @@
           <p:cNvPr id="3" name="Espace réservé du contenu 2">
             <a:extLst>
               <a:ext uri="{FF2B5EF4-FFF2-40B4-BE49-F238E27FC236}">
-                <a16:creationId xmlns:a16="http://schemas.microsoft.com/office/drawing/2014/main" xmlns="" id="{1A485B1E-6CDE-46C3-9E2C-1F013AFAAE45}"/>
+                <a16:creationId xmlns:a16="http://schemas.microsoft.com/office/drawing/2014/main" id="{1A485B1E-6CDE-46C3-9E2C-1F013AFAAE45}"/>
               </a:ext>
             </a:extLst>
           </p:cNvPr>
@@ -4986,70 +5106,98 @@
         </p:spPr>
         <p:txBody>
           <a:bodyPr>
-            <a:normAutofit/>
+            <a:normAutofit lnSpcReduction="10000"/>
           </a:bodyPr>
           <a:lstStyle/>
           <a:p>
-            <a:r>
-              <a:rPr lang="en-US" smtClean="0"/>
-              <a:t>Dracula = mysterious character, elusive to text mining</a:t>
-            </a:r>
-          </a:p>
-          <a:p>
-            <a:r>
-              <a:rPr lang="en-US" smtClean="0"/>
-              <a:t>“Goal “of the novel : to paint his picture with not many informations</a:t>
-            </a:r>
-          </a:p>
-          <a:p>
-            <a:r>
-              <a:rPr lang="en-US" smtClean="0"/>
-              <a:t>Epistolary style</a:t>
-            </a:r>
-            <a:r>
-              <a:rPr lang="en-US"/>
-              <a:t> </a:t>
-            </a:r>
-            <a:r>
-              <a:rPr lang="en-US" smtClean="0"/>
-              <a:t>:</a:t>
+            <a:pPr marL="0" indent="0">
+              <a:buNone/>
+            </a:pPr>
+            <a:r>
+              <a:rPr lang="fr-BE" b="1" dirty="0"/>
+              <a:t>ETHICAL ASPECTS</a:t>
+            </a:r>
+          </a:p>
+          <a:p>
+            <a:r>
+              <a:rPr lang="en-US" dirty="0"/>
+              <a:t>No concern in this project, but in general natural language processing…</a:t>
+            </a:r>
+          </a:p>
+          <a:p>
+            <a:r>
+              <a:rPr lang="en-US" dirty="0"/>
+              <a:t>Text on online services (Twitter </a:t>
+            </a:r>
+            <a:r>
+              <a:rPr lang="en-US" dirty="0" err="1"/>
+              <a:t>etc</a:t>
+            </a:r>
+            <a:r>
+              <a:rPr lang="en-US" dirty="0"/>
+              <a:t>) either:</a:t>
             </a:r>
           </a:p>
           <a:p>
             <a:pPr lvl="1"/>
             <a:r>
-              <a:rPr lang="en-US" smtClean="0"/>
-              <a:t>It’s hard to find continuty or development because of changing POV</a:t>
+              <a:rPr lang="en-US" dirty="0"/>
+              <a:t>Easily available</a:t>
             </a:r>
           </a:p>
           <a:p>
             <a:pPr lvl="1"/>
             <a:r>
-              <a:rPr lang="en-US" smtClean="0"/>
-              <a:t>Investigate  the novel by diary entries ?</a:t>
-            </a:r>
-          </a:p>
-          <a:p>
-            <a:r>
-              <a:rPr lang="en-US" smtClean="0"/>
-              <a:t>More knowledge of past analysis of </a:t>
-            </a:r>
-            <a:r>
-              <a:rPr lang="en-US" i="1" smtClean="0"/>
-              <a:t>Dracula</a:t>
-            </a:r>
-            <a:r>
-              <a:rPr lang="en-US" smtClean="0"/>
-              <a:t> would be helpful</a:t>
-            </a:r>
-            <a:endParaRPr lang="en-US" smtClean="0"/>
+              <a:rPr lang="en-US" dirty="0"/>
+              <a:t>Made vulnerable by security failures</a:t>
+            </a:r>
+          </a:p>
+          <a:p>
+            <a:r>
+              <a:rPr lang="en-US" dirty="0"/>
+              <a:t>Which can be used to:</a:t>
+            </a:r>
+          </a:p>
+          <a:p>
+            <a:pPr lvl="1"/>
+            <a:r>
+              <a:rPr lang="en-US" dirty="0"/>
+              <a:t>Influence customers to buy products</a:t>
+            </a:r>
+          </a:p>
+          <a:p>
+            <a:pPr lvl="1"/>
+            <a:r>
+              <a:rPr lang="en-US" dirty="0"/>
+              <a:t>Influence voters and change political landscape</a:t>
+            </a:r>
+          </a:p>
+          <a:p>
+            <a:r>
+              <a:rPr lang="en-US" dirty="0"/>
+              <a:t>But there are benefits :</a:t>
+            </a:r>
+          </a:p>
+          <a:p>
+            <a:pPr lvl="1"/>
+            <a:r>
+              <a:rPr lang="en-US" dirty="0"/>
+              <a:t>More access to technology (ex: voice recognition)</a:t>
+            </a:r>
+          </a:p>
+          <a:p>
+            <a:pPr lvl="1"/>
+            <a:r>
+              <a:rPr lang="en-US" dirty="0"/>
+              <a:t>More informational equality (ex: extract information from web)</a:t>
+            </a:r>
           </a:p>
         </p:txBody>
       </p:sp>
     </p:spTree>
     <p:extLst>
       <p:ext uri="{BB962C8B-B14F-4D97-AF65-F5344CB8AC3E}">
-        <p14:creationId xmlns:p14="http://schemas.microsoft.com/office/powerpoint/2010/main" val="855028033"/>
+        <p14:creationId xmlns:p14="http://schemas.microsoft.com/office/powerpoint/2010/main" val="2417756305"/>
       </p:ext>
     </p:extLst>
   </p:cSld>
@@ -5081,181 +5229,7 @@
           <p:cNvPr id="2" name="Titre 1">
             <a:extLst>
               <a:ext uri="{FF2B5EF4-FFF2-40B4-BE49-F238E27FC236}">
-                <a16:creationId xmlns:a16="http://schemas.microsoft.com/office/drawing/2014/main" xmlns="" id="{A093F50F-C593-40A9-95E7-FFE1F76D3966}"/>
-              </a:ext>
-            </a:extLst>
-          </p:cNvPr>
-          <p:cNvSpPr>
-            <a:spLocks noGrp="1"/>
-          </p:cNvSpPr>
-          <p:nvPr>
-            <p:ph type="title"/>
-          </p:nvPr>
-        </p:nvSpPr>
-        <p:spPr>
-          <a:xfrm>
-            <a:off x="1451579" y="443274"/>
-            <a:ext cx="9291215" cy="1049235"/>
-          </a:xfrm>
-        </p:spPr>
-        <p:txBody>
-          <a:bodyPr/>
-          <a:lstStyle/>
-          <a:p>
-            <a:r>
-              <a:rPr lang="fr-BE" smtClean="0"/>
-              <a:t>Conclusion</a:t>
-            </a:r>
-            <a:endParaRPr lang="fr-BE"/>
-          </a:p>
-        </p:txBody>
-      </p:sp>
-      <p:sp>
-        <p:nvSpPr>
-          <p:cNvPr id="3" name="Espace réservé du contenu 2">
-            <a:extLst>
-              <a:ext uri="{FF2B5EF4-FFF2-40B4-BE49-F238E27FC236}">
-                <a16:creationId xmlns:a16="http://schemas.microsoft.com/office/drawing/2014/main" xmlns="" id="{1A485B1E-6CDE-46C3-9E2C-1F013AFAAE45}"/>
-              </a:ext>
-            </a:extLst>
-          </p:cNvPr>
-          <p:cNvSpPr>
-            <a:spLocks noGrp="1"/>
-          </p:cNvSpPr>
-          <p:nvPr>
-            <p:ph idx="1"/>
-          </p:nvPr>
-        </p:nvSpPr>
-        <p:spPr>
-          <a:xfrm>
-            <a:off x="1451579" y="1444976"/>
-            <a:ext cx="9291215" cy="4481689"/>
-          </a:xfrm>
-        </p:spPr>
-        <p:txBody>
-          <a:bodyPr>
-            <a:normAutofit lnSpcReduction="10000"/>
-          </a:bodyPr>
-          <a:lstStyle/>
-          <a:p>
-            <a:pPr marL="0" indent="0">
-              <a:buNone/>
-            </a:pPr>
-            <a:r>
-              <a:rPr lang="fr-BE" b="1" smtClean="0"/>
-              <a:t>ETHICAL ASPECTS</a:t>
-            </a:r>
-            <a:endParaRPr lang="fr-BE" b="1"/>
-          </a:p>
-          <a:p>
-            <a:r>
-              <a:rPr lang="en-US" smtClean="0"/>
-              <a:t>No concern in this project, but in general n</a:t>
-            </a:r>
-            <a:r>
-              <a:rPr lang="en-US" smtClean="0"/>
-              <a:t>atural language processing…</a:t>
-            </a:r>
-          </a:p>
-          <a:p>
-            <a:r>
-              <a:rPr lang="en-US" smtClean="0"/>
-              <a:t>Text on online services (Twitter etc) either:</a:t>
-            </a:r>
-          </a:p>
-          <a:p>
-            <a:pPr lvl="1"/>
-            <a:r>
-              <a:rPr lang="en-US" smtClean="0"/>
-              <a:t>Free of use</a:t>
-            </a:r>
-          </a:p>
-          <a:p>
-            <a:pPr lvl="1"/>
-            <a:r>
-              <a:rPr lang="en-US" smtClean="0"/>
-              <a:t>Made vulnerable by security failures</a:t>
-            </a:r>
-          </a:p>
-          <a:p>
-            <a:r>
-              <a:rPr lang="en-US" smtClean="0"/>
-              <a:t>Which can be used to:</a:t>
-            </a:r>
-          </a:p>
-          <a:p>
-            <a:pPr lvl="1"/>
-            <a:r>
-              <a:rPr lang="en-US" smtClean="0"/>
-              <a:t>Influence customers to buy products</a:t>
-            </a:r>
-          </a:p>
-          <a:p>
-            <a:pPr lvl="1"/>
-            <a:r>
-              <a:rPr lang="en-US" smtClean="0"/>
-              <a:t>Influence voters and change political landscape</a:t>
-            </a:r>
-          </a:p>
-          <a:p>
-            <a:r>
-              <a:rPr lang="en-US" smtClean="0"/>
-              <a:t>But there are benefits :</a:t>
-            </a:r>
-          </a:p>
-          <a:p>
-            <a:pPr lvl="1"/>
-            <a:r>
-              <a:rPr lang="en-US" smtClean="0"/>
-              <a:t>More access to technology</a:t>
-            </a:r>
-          </a:p>
-          <a:p>
-            <a:pPr lvl="1"/>
-            <a:r>
-              <a:rPr lang="en-US" smtClean="0"/>
-              <a:t>More informational equality</a:t>
-            </a:r>
-            <a:endParaRPr lang="en-US" smtClean="0"/>
-          </a:p>
-        </p:txBody>
-      </p:sp>
-    </p:spTree>
-    <p:extLst>
-      <p:ext uri="{BB962C8B-B14F-4D97-AF65-F5344CB8AC3E}">
-        <p14:creationId xmlns:p14="http://schemas.microsoft.com/office/powerpoint/2010/main" val="2417756305"/>
-      </p:ext>
-    </p:extLst>
-  </p:cSld>
-  <p:clrMapOvr>
-    <a:masterClrMapping/>
-  </p:clrMapOvr>
-</p:sld>
-</file>
-
-<file path=ppt/slides/slide19.xml><?xml version="1.0" encoding="utf-8"?>
-<p:sld xmlns:a="http://schemas.openxmlformats.org/drawingml/2006/main" xmlns:r="http://schemas.openxmlformats.org/officeDocument/2006/relationships" xmlns:p="http://schemas.openxmlformats.org/presentationml/2006/main">
-  <p:cSld>
-    <p:spTree>
-      <p:nvGrpSpPr>
-        <p:cNvPr id="1" name=""/>
-        <p:cNvGrpSpPr/>
-        <p:nvPr/>
-      </p:nvGrpSpPr>
-      <p:grpSpPr>
-        <a:xfrm>
-          <a:off x="0" y="0"/>
-          <a:ext cx="0" cy="0"/>
-          <a:chOff x="0" y="0"/>
-          <a:chExt cx="0" cy="0"/>
-        </a:xfrm>
-      </p:grpSpPr>
-      <p:sp>
-        <p:nvSpPr>
-          <p:cNvPr id="2" name="Titre 1">
-            <a:extLst>
-              <a:ext uri="{FF2B5EF4-FFF2-40B4-BE49-F238E27FC236}">
-                <a16:creationId xmlns:a16="http://schemas.microsoft.com/office/drawing/2014/main" xmlns="" id="{A093F50F-C593-40A9-95E7-FFE1F76D3966}"/>
+                <a16:creationId xmlns:a16="http://schemas.microsoft.com/office/drawing/2014/main" id="{A093F50F-C593-40A9-95E7-FFE1F76D3966}"/>
               </a:ext>
             </a:extLst>
           </p:cNvPr>
@@ -5279,31 +5253,26 @@
           <a:lstStyle/>
           <a:p>
             <a:r>
-              <a:rPr lang="fr-BE" sz="4800" smtClean="0"/>
+              <a:rPr lang="fr-BE" sz="4800"/>
               <a:t>Thank you for your</a:t>
-            </a:r>
-            <a:br>
-              <a:rPr lang="fr-BE" sz="4800" smtClean="0"/>
-            </a:br>
-            <a:r>
-              <a:rPr lang="fr-BE" sz="4800" smtClean="0"/>
-              <a:t>attention ! :-)</a:t>
-            </a:r>
-            <a:br>
-              <a:rPr lang="fr-BE" sz="4800" smtClean="0"/>
-            </a:br>
-            <a:r>
-              <a:rPr lang="fr-BE" sz="4800"/>
-              <a:t/>
             </a:r>
             <a:br>
               <a:rPr lang="fr-BE" sz="4800"/>
             </a:br>
             <a:r>
-              <a:rPr lang="fr-BE" sz="4800" smtClean="0"/>
+              <a:rPr lang="fr-BE" sz="4800"/>
+              <a:t>attention ! :-)</a:t>
+            </a:r>
+            <a:br>
+              <a:rPr lang="fr-BE" sz="4800"/>
+            </a:br>
+            <a:br>
+              <a:rPr lang="fr-BE" sz="4800"/>
+            </a:br>
+            <a:r>
+              <a:rPr lang="fr-BE" sz="4800"/>
               <a:t>Any questions ?</a:t>
             </a:r>
-            <a:endParaRPr lang="fr-BE" sz="4800"/>
           </a:p>
         </p:txBody>
       </p:sp>
@@ -5342,7 +5311,7 @@
           <p:cNvPr id="2" name="Titre 1">
             <a:extLst>
               <a:ext uri="{FF2B5EF4-FFF2-40B4-BE49-F238E27FC236}">
-                <a16:creationId xmlns:a16="http://schemas.microsoft.com/office/drawing/2014/main" xmlns="" id="{A093F50F-C593-40A9-95E7-FFE1F76D3966}"/>
+                <a16:creationId xmlns:a16="http://schemas.microsoft.com/office/drawing/2014/main" id="{A093F50F-C593-40A9-95E7-FFE1F76D3966}"/>
               </a:ext>
             </a:extLst>
           </p:cNvPr>
@@ -5359,10 +5328,9 @@
           <a:lstStyle/>
           <a:p>
             <a:r>
-              <a:rPr lang="fr-BE" smtClean="0"/>
+              <a:rPr lang="fr-BE" dirty="0"/>
               <a:t>Introduction</a:t>
             </a:r>
-            <a:endParaRPr lang="fr-BE"/>
           </a:p>
         </p:txBody>
       </p:sp>
@@ -5371,7 +5339,7 @@
           <p:cNvPr id="3" name="Espace réservé du contenu 2">
             <a:extLst>
               <a:ext uri="{FF2B5EF4-FFF2-40B4-BE49-F238E27FC236}">
-                <a16:creationId xmlns:a16="http://schemas.microsoft.com/office/drawing/2014/main" xmlns="" id="{1A485B1E-6CDE-46C3-9E2C-1F013AFAAE45}"/>
+                <a16:creationId xmlns:a16="http://schemas.microsoft.com/office/drawing/2014/main" id="{1A485B1E-6CDE-46C3-9E2C-1F013AFAAE45}"/>
               </a:ext>
             </a:extLst>
           </p:cNvPr>
@@ -5388,43 +5356,165 @@
           <a:lstStyle/>
           <a:p>
             <a:r>
-              <a:rPr lang="fr-BE"/>
-              <a:t>Dracula : a masterpiece novel of the gothic horror genre</a:t>
-            </a:r>
-          </a:p>
-          <a:p>
-            <a:r>
-              <a:rPr lang="fr-BE"/>
-              <a:t>Synopsis : a perfect couple, </a:t>
-            </a:r>
-            <a:r>
-              <a:rPr lang="fr-BE" smtClean="0"/>
-              <a:t>some soldiers and scientists, and a </a:t>
-            </a:r>
-            <a:r>
-              <a:rPr lang="fr-BE"/>
-              <a:t>malevolent </a:t>
-            </a:r>
-            <a:r>
-              <a:rPr lang="fr-BE" smtClean="0"/>
+              <a:rPr lang="fr-BE" dirty="0"/>
+              <a:t>Dracula : a </a:t>
+            </a:r>
+            <a:r>
+              <a:rPr lang="fr-BE" dirty="0" err="1"/>
+              <a:t>masterpiece</a:t>
+            </a:r>
+            <a:r>
+              <a:rPr lang="fr-BE" dirty="0"/>
+              <a:t> </a:t>
+            </a:r>
+            <a:r>
+              <a:rPr lang="fr-BE" dirty="0" err="1"/>
+              <a:t>novel</a:t>
+            </a:r>
+            <a:r>
+              <a:rPr lang="fr-BE" dirty="0"/>
+              <a:t> of the </a:t>
+            </a:r>
+            <a:r>
+              <a:rPr lang="fr-BE" dirty="0" err="1"/>
+              <a:t>gothic</a:t>
+            </a:r>
+            <a:r>
+              <a:rPr lang="fr-BE" dirty="0"/>
+              <a:t> </a:t>
+            </a:r>
+            <a:r>
+              <a:rPr lang="fr-BE" dirty="0" err="1"/>
+              <a:t>horror</a:t>
+            </a:r>
+            <a:r>
+              <a:rPr lang="fr-BE" dirty="0"/>
+              <a:t> genre</a:t>
+            </a:r>
+          </a:p>
+          <a:p>
+            <a:r>
+              <a:rPr lang="fr-BE" dirty="0"/>
+              <a:t>Synopsis : a </a:t>
+            </a:r>
+            <a:r>
+              <a:rPr lang="fr-BE" dirty="0" err="1"/>
+              <a:t>perfect</a:t>
+            </a:r>
+            <a:r>
+              <a:rPr lang="fr-BE" dirty="0"/>
+              <a:t> couple, </a:t>
+            </a:r>
+            <a:r>
+              <a:rPr lang="fr-BE" dirty="0" err="1"/>
+              <a:t>some</a:t>
+            </a:r>
+            <a:r>
+              <a:rPr lang="fr-BE" dirty="0"/>
+              <a:t> </a:t>
+            </a:r>
+            <a:r>
+              <a:rPr lang="fr-BE" dirty="0" err="1"/>
+              <a:t>soldiers</a:t>
+            </a:r>
+            <a:r>
+              <a:rPr lang="fr-BE" dirty="0"/>
+              <a:t> and </a:t>
+            </a:r>
+            <a:r>
+              <a:rPr lang="fr-BE" dirty="0" err="1"/>
+              <a:t>scientists</a:t>
+            </a:r>
+            <a:r>
+              <a:rPr lang="fr-BE" dirty="0"/>
+              <a:t>, and a </a:t>
+            </a:r>
+            <a:r>
+              <a:rPr lang="fr-BE" dirty="0" err="1"/>
+              <a:t>malevolent</a:t>
+            </a:r>
+            <a:r>
+              <a:rPr lang="fr-BE" dirty="0"/>
+              <a:t> </a:t>
+            </a:r>
+            <a:r>
+              <a:rPr lang="fr-BE" dirty="0" err="1"/>
               <a:t>tourist</a:t>
             </a:r>
-          </a:p>
-          <a:p>
-            <a:r>
-              <a:rPr lang="fr-BE" smtClean="0"/>
-              <a:t>An epistolary style</a:t>
-            </a:r>
-          </a:p>
-          <a:p>
-            <a:r>
-              <a:rPr lang="fr-BE" smtClean="0"/>
-              <a:t>Reasons for this choice </a:t>
-            </a:r>
-            <a:endParaRPr lang="fr-BE"/>
-          </a:p>
-        </p:txBody>
-      </p:sp>
+            <a:endParaRPr lang="fr-BE" dirty="0"/>
+          </a:p>
+          <a:p>
+            <a:r>
+              <a:rPr lang="fr-BE" dirty="0"/>
+              <a:t>An </a:t>
+            </a:r>
+            <a:r>
+              <a:rPr lang="fr-BE" dirty="0" err="1"/>
+              <a:t>epistolary</a:t>
+            </a:r>
+            <a:r>
+              <a:rPr lang="fr-BE" dirty="0"/>
+              <a:t> style</a:t>
+            </a:r>
+          </a:p>
+          <a:p>
+            <a:r>
+              <a:rPr lang="fr-BE" dirty="0" err="1"/>
+              <a:t>Reasons</a:t>
+            </a:r>
+            <a:r>
+              <a:rPr lang="fr-BE" dirty="0"/>
+              <a:t> for </a:t>
+            </a:r>
+            <a:r>
+              <a:rPr lang="fr-BE" dirty="0" err="1"/>
+              <a:t>this</a:t>
+            </a:r>
+            <a:r>
+              <a:rPr lang="fr-BE" dirty="0"/>
+              <a:t> </a:t>
+            </a:r>
+            <a:r>
+              <a:rPr lang="fr-BE" dirty="0" err="1"/>
+              <a:t>choice</a:t>
+            </a:r>
+            <a:r>
+              <a:rPr lang="fr-BE" dirty="0"/>
+              <a:t> </a:t>
+            </a:r>
+          </a:p>
+        </p:txBody>
+      </p:sp>
+      <p:pic>
+        <p:nvPicPr>
+          <p:cNvPr id="5" name="Image 4">
+            <a:extLst>
+              <a:ext uri="{FF2B5EF4-FFF2-40B4-BE49-F238E27FC236}">
+                <a16:creationId xmlns:a16="http://schemas.microsoft.com/office/drawing/2014/main" id="{89263299-05F4-4C74-ABA2-1C12BD0A0100}"/>
+              </a:ext>
+            </a:extLst>
+          </p:cNvPr>
+          <p:cNvPicPr>
+            <a:picLocks noChangeAspect="1"/>
+          </p:cNvPicPr>
+          <p:nvPr/>
+        </p:nvPicPr>
+        <p:blipFill>
+          <a:blip r:embed="rId2"/>
+          <a:stretch>
+            <a:fillRect/>
+          </a:stretch>
+        </p:blipFill>
+        <p:spPr>
+          <a:xfrm>
+            <a:off x="5697246" y="3235873"/>
+            <a:ext cx="3514897" cy="3237949"/>
+          </a:xfrm>
+          <a:prstGeom prst="rect">
+            <a:avLst/>
+          </a:prstGeom>
+        </p:spPr>
+      </p:pic>
     </p:spTree>
     <p:extLst>
       <p:ext uri="{BB962C8B-B14F-4D97-AF65-F5344CB8AC3E}">
@@ -5460,7 +5550,7 @@
           <p:cNvPr id="2" name="Titre 1">
             <a:extLst>
               <a:ext uri="{FF2B5EF4-FFF2-40B4-BE49-F238E27FC236}">
-                <a16:creationId xmlns:a16="http://schemas.microsoft.com/office/drawing/2014/main" xmlns="" id="{A093F50F-C593-40A9-95E7-FFE1F76D3966}"/>
+                <a16:creationId xmlns:a16="http://schemas.microsoft.com/office/drawing/2014/main" id="{A093F50F-C593-40A9-95E7-FFE1F76D3966}"/>
               </a:ext>
             </a:extLst>
           </p:cNvPr>
@@ -5477,10 +5567,9 @@
           <a:lstStyle/>
           <a:p>
             <a:r>
-              <a:rPr lang="fr-BE" smtClean="0"/>
+              <a:rPr lang="fr-BE"/>
               <a:t>Introduction</a:t>
             </a:r>
-            <a:endParaRPr lang="fr-BE"/>
           </a:p>
         </p:txBody>
       </p:sp>
@@ -5489,7 +5578,7 @@
           <p:cNvPr id="3" name="Espace réservé du contenu 2">
             <a:extLst>
               <a:ext uri="{FF2B5EF4-FFF2-40B4-BE49-F238E27FC236}">
-                <a16:creationId xmlns:a16="http://schemas.microsoft.com/office/drawing/2014/main" xmlns="" id="{1A485B1E-6CDE-46C3-9E2C-1F013AFAAE45}"/>
+                <a16:creationId xmlns:a16="http://schemas.microsoft.com/office/drawing/2014/main" id="{1A485B1E-6CDE-46C3-9E2C-1F013AFAAE45}"/>
               </a:ext>
             </a:extLst>
           </p:cNvPr>
@@ -5508,54 +5597,53 @@
           <a:lstStyle/>
           <a:p>
             <a:r>
-              <a:rPr lang="fr-BE" smtClean="0"/>
+              <a:rPr lang="fr-BE"/>
               <a:t>Text preprocessing</a:t>
             </a:r>
           </a:p>
           <a:p>
             <a:r>
-              <a:rPr lang="fr-BE" smtClean="0"/>
+              <a:rPr lang="fr-BE"/>
               <a:t>Topic extraction:</a:t>
             </a:r>
           </a:p>
           <a:p>
             <a:pPr lvl="1"/>
             <a:r>
-              <a:rPr lang="fr-BE" smtClean="0"/>
+              <a:rPr lang="fr-BE"/>
               <a:t>LDA</a:t>
             </a:r>
           </a:p>
           <a:p>
             <a:pPr lvl="1"/>
             <a:r>
-              <a:rPr lang="fr-BE" smtClean="0"/>
+              <a:rPr lang="fr-BE"/>
               <a:t>NMF</a:t>
             </a:r>
           </a:p>
           <a:p>
             <a:r>
-              <a:rPr lang="fr-BE" smtClean="0"/>
+              <a:rPr lang="fr-BE"/>
               <a:t>Relationships graph</a:t>
             </a:r>
           </a:p>
           <a:p>
             <a:r>
-              <a:rPr lang="fr-BE" smtClean="0"/>
+              <a:rPr lang="fr-BE"/>
               <a:t>Frequent itemsets</a:t>
             </a:r>
           </a:p>
           <a:p>
             <a:r>
-              <a:rPr lang="fr-BE" smtClean="0"/>
+              <a:rPr lang="fr-BE"/>
               <a:t>Bonus : a search engine</a:t>
             </a:r>
           </a:p>
           <a:p>
             <a:r>
-              <a:rPr lang="fr-BE" smtClean="0"/>
+              <a:rPr lang="fr-BE"/>
               <a:t>Conclusion</a:t>
             </a:r>
-            <a:endParaRPr lang="fr-BE"/>
           </a:p>
         </p:txBody>
       </p:sp>
@@ -5594,7 +5682,7 @@
           <p:cNvPr id="2" name="Titre 1">
             <a:extLst>
               <a:ext uri="{FF2B5EF4-FFF2-40B4-BE49-F238E27FC236}">
-                <a16:creationId xmlns:a16="http://schemas.microsoft.com/office/drawing/2014/main" xmlns="" id="{1B0421F2-61B6-48A3-9B08-0D565C5DE0FF}"/>
+                <a16:creationId xmlns:a16="http://schemas.microsoft.com/office/drawing/2014/main" id="{1B0421F2-61B6-48A3-9B08-0D565C5DE0FF}"/>
               </a:ext>
             </a:extLst>
           </p:cNvPr>
@@ -5631,7 +5719,7 @@
           <p:cNvPr id="3" name="Espace réservé du contenu 2">
             <a:extLst>
               <a:ext uri="{FF2B5EF4-FFF2-40B4-BE49-F238E27FC236}">
-                <a16:creationId xmlns:a16="http://schemas.microsoft.com/office/drawing/2014/main" xmlns="" id="{26C0DD74-2A72-4E31-BCBE-C3917A21439F}"/>
+                <a16:creationId xmlns:a16="http://schemas.microsoft.com/office/drawing/2014/main" id="{26C0DD74-2A72-4E31-BCBE-C3917A21439F}"/>
               </a:ext>
             </a:extLst>
           </p:cNvPr>
@@ -5838,7 +5926,7 @@
           <p:cNvPr id="2" name="Titre 1">
             <a:extLst>
               <a:ext uri="{FF2B5EF4-FFF2-40B4-BE49-F238E27FC236}">
-                <a16:creationId xmlns:a16="http://schemas.microsoft.com/office/drawing/2014/main" xmlns="" id="{49C4B582-E099-4FC5-9479-E8A169D73731}"/>
+                <a16:creationId xmlns:a16="http://schemas.microsoft.com/office/drawing/2014/main" id="{49C4B582-E099-4FC5-9479-E8A169D73731}"/>
               </a:ext>
             </a:extLst>
           </p:cNvPr>
@@ -5866,7 +5954,7 @@
           <p:cNvPr id="3" name="Espace réservé du contenu 2">
             <a:extLst>
               <a:ext uri="{FF2B5EF4-FFF2-40B4-BE49-F238E27FC236}">
-                <a16:creationId xmlns:a16="http://schemas.microsoft.com/office/drawing/2014/main" xmlns="" id="{C03B7812-397A-41A8-BF52-A6504BE74B37}"/>
+                <a16:creationId xmlns:a16="http://schemas.microsoft.com/office/drawing/2014/main" id="{C03B7812-397A-41A8-BF52-A6504BE74B37}"/>
               </a:ext>
             </a:extLst>
           </p:cNvPr>
@@ -6014,7 +6102,7 @@
           <p:cNvPr id="2" name="Titre 1">
             <a:extLst>
               <a:ext uri="{FF2B5EF4-FFF2-40B4-BE49-F238E27FC236}">
-                <a16:creationId xmlns:a16="http://schemas.microsoft.com/office/drawing/2014/main" xmlns="" id="{F2477979-5622-459C-B989-5A4097664795}"/>
+                <a16:creationId xmlns:a16="http://schemas.microsoft.com/office/drawing/2014/main" id="{F2477979-5622-459C-B989-5A4097664795}"/>
               </a:ext>
             </a:extLst>
           </p:cNvPr>
@@ -6047,7 +6135,7 @@
           <p:cNvPr id="3" name="Espace réservé du contenu 2">
             <a:extLst>
               <a:ext uri="{FF2B5EF4-FFF2-40B4-BE49-F238E27FC236}">
-                <a16:creationId xmlns:a16="http://schemas.microsoft.com/office/drawing/2014/main" xmlns="" id="{0F91CB54-8CAD-4E1B-8EF2-9ECA173B34B5}"/>
+                <a16:creationId xmlns:a16="http://schemas.microsoft.com/office/drawing/2014/main" id="{0F91CB54-8CAD-4E1B-8EF2-9ECA173B34B5}"/>
               </a:ext>
             </a:extLst>
           </p:cNvPr>
@@ -6179,7 +6267,7 @@
           <p:cNvPr id="1026" name="Picture 2" descr="https://lh6.googleusercontent.com/HyqY--K02gZ8Ziqz4zUUTRxP_TI6CLVPAKogQKPJ1I8RMwpASKyEG2UN_wT56LSnPRrJU0HOlcDGIsP6reJZyRzc2RcaZPW8ZImaPpp9gaxcQli37YqX1oXMgpuIlTDpyDB0BY5F">
             <a:extLst>
               <a:ext uri="{FF2B5EF4-FFF2-40B4-BE49-F238E27FC236}">
-                <a16:creationId xmlns:a16="http://schemas.microsoft.com/office/drawing/2014/main" xmlns="" id="{6ED5F093-21A9-4AA8-B20B-A9AF184B1D71}"/>
+                <a16:creationId xmlns:a16="http://schemas.microsoft.com/office/drawing/2014/main" id="{6ED5F093-21A9-4AA8-B20B-A9AF184B1D71}"/>
               </a:ext>
             </a:extLst>
           </p:cNvPr>
@@ -6226,7 +6314,7 @@
           <p:cNvPr id="5" name="Image 4">
             <a:extLst>
               <a:ext uri="{FF2B5EF4-FFF2-40B4-BE49-F238E27FC236}">
-                <a16:creationId xmlns:a16="http://schemas.microsoft.com/office/drawing/2014/main" xmlns="" id="{AD26E13A-B428-4515-9190-B3EBD84B91F3}"/>
+                <a16:creationId xmlns:a16="http://schemas.microsoft.com/office/drawing/2014/main" id="{AD26E13A-B428-4515-9190-B3EBD84B91F3}"/>
               </a:ext>
             </a:extLst>
           </p:cNvPr>
@@ -6286,7 +6374,7 @@
           <p:cNvPr id="2" name="Titre 1">
             <a:extLst>
               <a:ext uri="{FF2B5EF4-FFF2-40B4-BE49-F238E27FC236}">
-                <a16:creationId xmlns:a16="http://schemas.microsoft.com/office/drawing/2014/main" xmlns="" id="{93F84DE8-AD66-4873-A835-8CF8B95ADF22}"/>
+                <a16:creationId xmlns:a16="http://schemas.microsoft.com/office/drawing/2014/main" id="{93F84DE8-AD66-4873-A835-8CF8B95ADF22}"/>
               </a:ext>
             </a:extLst>
           </p:cNvPr>
@@ -6314,7 +6402,7 @@
           <p:cNvPr id="3" name="Espace réservé du contenu 2">
             <a:extLst>
               <a:ext uri="{FF2B5EF4-FFF2-40B4-BE49-F238E27FC236}">
-                <a16:creationId xmlns:a16="http://schemas.microsoft.com/office/drawing/2014/main" xmlns="" id="{C73F5A3D-E7B7-4D43-B2A7-7F0F78F8C9E2}"/>
+                <a16:creationId xmlns:a16="http://schemas.microsoft.com/office/drawing/2014/main" id="{C73F5A3D-E7B7-4D43-B2A7-7F0F78F8C9E2}"/>
               </a:ext>
             </a:extLst>
           </p:cNvPr>
@@ -6429,7 +6517,7 @@
           <p:cNvPr id="5" name="Image 4">
             <a:extLst>
               <a:ext uri="{FF2B5EF4-FFF2-40B4-BE49-F238E27FC236}">
-                <a16:creationId xmlns:a16="http://schemas.microsoft.com/office/drawing/2014/main" xmlns="" id="{BC12680B-CE48-4DE8-B7E6-D3A3FCC23BCC}"/>
+                <a16:creationId xmlns:a16="http://schemas.microsoft.com/office/drawing/2014/main" id="{BC12680B-CE48-4DE8-B7E6-D3A3FCC23BCC}"/>
               </a:ext>
             </a:extLst>
           </p:cNvPr>
@@ -6489,7 +6577,7 @@
           <p:cNvPr id="2" name="Titre 1">
             <a:extLst>
               <a:ext uri="{FF2B5EF4-FFF2-40B4-BE49-F238E27FC236}">
-                <a16:creationId xmlns:a16="http://schemas.microsoft.com/office/drawing/2014/main" xmlns="" id="{860E1C3F-1645-456F-AE7A-8A9430CCAC3E}"/>
+                <a16:creationId xmlns:a16="http://schemas.microsoft.com/office/drawing/2014/main" id="{860E1C3F-1645-456F-AE7A-8A9430CCAC3E}"/>
               </a:ext>
             </a:extLst>
           </p:cNvPr>
@@ -6517,7 +6605,7 @@
           <p:cNvPr id="3" name="Espace réservé du contenu 2">
             <a:extLst>
               <a:ext uri="{FF2B5EF4-FFF2-40B4-BE49-F238E27FC236}">
-                <a16:creationId xmlns:a16="http://schemas.microsoft.com/office/drawing/2014/main" xmlns="" id="{F91A640E-B1A7-4F54-9FFF-0FEFA4EC8EE1}"/>
+                <a16:creationId xmlns:a16="http://schemas.microsoft.com/office/drawing/2014/main" id="{F91A640E-B1A7-4F54-9FFF-0FEFA4EC8EE1}"/>
               </a:ext>
             </a:extLst>
           </p:cNvPr>
@@ -6774,7 +6862,7 @@
           <p:cNvPr id="2" name="Titre 1">
             <a:extLst>
               <a:ext uri="{FF2B5EF4-FFF2-40B4-BE49-F238E27FC236}">
-                <a16:creationId xmlns:a16="http://schemas.microsoft.com/office/drawing/2014/main" xmlns="" id="{34F54331-F0AA-4796-88CA-4B3366C243B2}"/>
+                <a16:creationId xmlns:a16="http://schemas.microsoft.com/office/drawing/2014/main" id="{34F54331-F0AA-4796-88CA-4B3366C243B2}"/>
               </a:ext>
             </a:extLst>
           </p:cNvPr>
@@ -6816,7 +6904,7 @@
           <p:cNvPr id="3" name="Espace réservé du contenu 2">
             <a:extLst>
               <a:ext uri="{FF2B5EF4-FFF2-40B4-BE49-F238E27FC236}">
-                <a16:creationId xmlns:a16="http://schemas.microsoft.com/office/drawing/2014/main" xmlns="" id="{52052228-2A80-4411-B714-4B7F17F3752F}"/>
+                <a16:creationId xmlns:a16="http://schemas.microsoft.com/office/drawing/2014/main" id="{52052228-2A80-4411-B714-4B7F17F3752F}"/>
               </a:ext>
             </a:extLst>
           </p:cNvPr>
@@ -7069,7 +7157,7 @@
           <p:cNvPr id="2052" name="Picture 4" descr="https://lh6.googleusercontent.com/mQOVeYBH0U4wSeExCqUw4zdAM0t05THRPdt38N83Hj7S33yBWJcKfnwVnNlHPO-XSklnarqSPfvEC-OswOEpXK9PePuPtLuwVqiFSXElyHzM19e1DkNLlpf5k8xPXNEyriRgBI-b">
             <a:extLst>
               <a:ext uri="{FF2B5EF4-FFF2-40B4-BE49-F238E27FC236}">
-                <a16:creationId xmlns:a16="http://schemas.microsoft.com/office/drawing/2014/main" xmlns="" id="{C123597C-615B-4E45-AE78-6CA8B8344FB7}"/>
+                <a16:creationId xmlns:a16="http://schemas.microsoft.com/office/drawing/2014/main" id="{C123597C-615B-4E45-AE78-6CA8B8344FB7}"/>
               </a:ext>
             </a:extLst>
           </p:cNvPr>
@@ -7371,7 +7459,7 @@
   <a:extraClrSchemeLst/>
   <a:extLst>
     <a:ext uri="{05A4C25C-085E-4340-85A3-A5531E510DB2}">
-      <thm15:themeFamily xmlns:thm15="http://schemas.microsoft.com/office/thememl/2012/main" xmlns="" name="Gallery" id="{BBFCD31E-59A1-489D-B089-A3EAD7CAE12E}" vid="{BB5F5D82-B5E9-469E-A815-C655ED4AF243}"/>
+      <thm15:themeFamily xmlns:thm15="http://schemas.microsoft.com/office/thememl/2012/main" name="Gallery" id="{BBFCD31E-59A1-489D-B089-A3EAD7CAE12E}" vid="{BB5F5D82-B5E9-469E-A815-C655ED4AF243}"/>
     </a:ext>
   </a:extLst>
 </a:theme>
